--- a/reports/Presentation.pptx
+++ b/reports/Presentation.pptx
@@ -21019,7 +21019,7 @@
             <a:tbl>
               <a:tblPr>
                 <a:noFill/>
-                <a:tableStyleId>{B5B7F1FE-4BFD-48F9-ACE5-AFD75DDB0083}</a:tableStyleId>
+                <a:tableStyleId>{BA6D2F9A-DA20-49EB-B651-815B0BB20C66}</a:tableStyleId>
               </a:tblPr>
               <a:tblGrid>
                 <a:gridCol w="1981200"/>
@@ -25598,25 +25598,13 @@
               </a:rPr>
               <a:t>Follow up analysis should be performed to evaluate the methods currently used by medical facilities to diagnose pediatric pneumonia. </a:t>
             </a:r>
-            <a:endParaRPr>
-              <a:solidFill>
-                <a:srgbClr val="000000"/>
-              </a:solidFill>
-            </a:endParaRPr>
-          </a:p>
-          <a:p>
-            <a:pPr indent="0" lvl="0" marL="0" rtl="0" algn="l">
-              <a:spcBef>
-                <a:spcPts val="0"/>
-              </a:spcBef>
-              <a:spcAft>
-                <a:spcPts val="0"/>
-              </a:spcAft>
-              <a:buNone/>
-            </a:pPr>
-            <a:r>
-              <a:t/>
-            </a:r>
+            <a:br>
+              <a:rPr lang="en">
+                <a:solidFill>
+                  <a:srgbClr val="000000"/>
+                </a:solidFill>
+              </a:rPr>
+            </a:br>
             <a:endParaRPr>
               <a:solidFill>
                 <a:srgbClr val="000000"/>
@@ -25645,25 +25633,13 @@
               </a:rPr>
               <a:t>If the best model from this analysis outperforms the current methods used by a medical facility, then clinicians at that facility could implement this model to facilitate diagnosis of pediatric pneumonia.</a:t>
             </a:r>
-            <a:endParaRPr>
-              <a:solidFill>
-                <a:srgbClr val="000000"/>
-              </a:solidFill>
-            </a:endParaRPr>
-          </a:p>
-          <a:p>
-            <a:pPr indent="0" lvl="0" marL="457200" rtl="0" algn="l">
-              <a:spcBef>
-                <a:spcPts val="0"/>
-              </a:spcBef>
-              <a:spcAft>
-                <a:spcPts val="0"/>
-              </a:spcAft>
-              <a:buNone/>
-            </a:pPr>
-            <a:r>
-              <a:t/>
-            </a:r>
+            <a:br>
+              <a:rPr lang="en">
+                <a:solidFill>
+                  <a:srgbClr val="000000"/>
+                </a:solidFill>
+              </a:rPr>
+            </a:br>
             <a:endParaRPr>
               <a:solidFill>
                 <a:srgbClr val="000000"/>
@@ -26512,29 +26488,17 @@
               </a:rPr>
               <a:t>. 2018;172(5):1122-1131. doi:10.1016/j.cell.2018.02.010.</a:t>
             </a:r>
-            <a:endParaRPr sz="900">
-              <a:solidFill>
-                <a:srgbClr val="000000"/>
-              </a:solidFill>
-              <a:latin typeface="Arial"/>
-              <a:ea typeface="Arial"/>
-              <a:cs typeface="Arial"/>
-              <a:sym typeface="Arial"/>
-            </a:endParaRPr>
-          </a:p>
-          <a:p>
-            <a:pPr indent="0" lvl="0" marL="457200" rtl="0" algn="l">
-              <a:spcBef>
-                <a:spcPts val="0"/>
-              </a:spcBef>
-              <a:spcAft>
-                <a:spcPts val="0"/>
-              </a:spcAft>
-              <a:buNone/>
-            </a:pPr>
-            <a:r>
-              <a:t/>
-            </a:r>
+            <a:br>
+              <a:rPr lang="en" sz="900">
+                <a:solidFill>
+                  <a:srgbClr val="000000"/>
+                </a:solidFill>
+                <a:latin typeface="Arial"/>
+                <a:ea typeface="Arial"/>
+                <a:cs typeface="Arial"/>
+                <a:sym typeface="Arial"/>
+              </a:rPr>
+            </a:br>
             <a:endParaRPr sz="900">
               <a:solidFill>
                 <a:srgbClr val="000000"/>
@@ -26572,29 +26536,17 @@
               </a:rPr>
               <a:t>Karen S, Andrew Z. Very Deep Convolutional Networks for Large-Scale Image Recognition. Paper presented at: 3rd International Conference on Learning Representations; May 7-9, 2015; San Diego, CA. https://arxiv.org/pdf/1409.1556.pdf. Accessed May 30, 2019.</a:t>
             </a:r>
-            <a:endParaRPr sz="900">
-              <a:solidFill>
-                <a:srgbClr val="000000"/>
-              </a:solidFill>
-              <a:latin typeface="Arial"/>
-              <a:ea typeface="Arial"/>
-              <a:cs typeface="Arial"/>
-              <a:sym typeface="Arial"/>
-            </a:endParaRPr>
-          </a:p>
-          <a:p>
-            <a:pPr indent="0" lvl="0" marL="457200" rtl="0" algn="l">
-              <a:spcBef>
-                <a:spcPts val="0"/>
-              </a:spcBef>
-              <a:spcAft>
-                <a:spcPts val="0"/>
-              </a:spcAft>
-              <a:buNone/>
-            </a:pPr>
-            <a:r>
-              <a:t/>
-            </a:r>
+            <a:br>
+              <a:rPr lang="en" sz="900">
+                <a:solidFill>
+                  <a:srgbClr val="000000"/>
+                </a:solidFill>
+                <a:latin typeface="Arial"/>
+                <a:ea typeface="Arial"/>
+                <a:cs typeface="Arial"/>
+                <a:sym typeface="Arial"/>
+              </a:rPr>
+            </a:br>
             <a:endParaRPr sz="900">
               <a:solidFill>
                 <a:srgbClr val="000000"/>
@@ -26632,29 +26584,17 @@
               </a:rPr>
               <a:t>Applications. keras.io. https://keras.io/applications/. Accessed May 1, 2019.</a:t>
             </a:r>
-            <a:endParaRPr sz="900">
-              <a:solidFill>
-                <a:srgbClr val="000000"/>
-              </a:solidFill>
-              <a:latin typeface="Arial"/>
-              <a:ea typeface="Arial"/>
-              <a:cs typeface="Arial"/>
-              <a:sym typeface="Arial"/>
-            </a:endParaRPr>
-          </a:p>
-          <a:p>
-            <a:pPr indent="0" lvl="0" marL="457200" rtl="0" algn="l">
-              <a:spcBef>
-                <a:spcPts val="0"/>
-              </a:spcBef>
-              <a:spcAft>
-                <a:spcPts val="0"/>
-              </a:spcAft>
-              <a:buNone/>
-            </a:pPr>
-            <a:r>
-              <a:t/>
-            </a:r>
+            <a:br>
+              <a:rPr lang="en" sz="900">
+                <a:solidFill>
+                  <a:srgbClr val="000000"/>
+                </a:solidFill>
+                <a:latin typeface="Arial"/>
+                <a:ea typeface="Arial"/>
+                <a:cs typeface="Arial"/>
+                <a:sym typeface="Arial"/>
+              </a:rPr>
+            </a:br>
             <a:endParaRPr sz="900">
               <a:solidFill>
                 <a:srgbClr val="000000"/>
